--- a/presentation.pptx
+++ b/presentation.pptx
@@ -5,17 +5,19 @@
     <p:sldMasterId id="2147483696" r:id="rId1"/>
   </p:sldMasterIdLst>
   <p:notesMasterIdLst>
-    <p:notesMasterId r:id="rId10"/>
+    <p:notesMasterId r:id="rId12"/>
   </p:notesMasterIdLst>
   <p:sldIdLst>
     <p:sldId id="256" r:id="rId2"/>
     <p:sldId id="258" r:id="rId3"/>
     <p:sldId id="259" r:id="rId4"/>
-    <p:sldId id="260" r:id="rId5"/>
-    <p:sldId id="261" r:id="rId6"/>
-    <p:sldId id="262" r:id="rId7"/>
-    <p:sldId id="263" r:id="rId8"/>
-    <p:sldId id="264" r:id="rId9"/>
+    <p:sldId id="265" r:id="rId5"/>
+    <p:sldId id="266" r:id="rId6"/>
+    <p:sldId id="261" r:id="rId7"/>
+    <p:sldId id="262" r:id="rId8"/>
+    <p:sldId id="263" r:id="rId9"/>
+    <p:sldId id="260" r:id="rId10"/>
+    <p:sldId id="264" r:id="rId11"/>
   </p:sldIdLst>
   <p:sldSz cx="12192000" cy="6858000"/>
   <p:notesSz cx="6858000" cy="9144000"/>
@@ -114,6 +116,11 @@
       </a:defRPr>
     </a:lvl9pPr>
   </p:defaultTextStyle>
+  <p:extLst>
+    <p:ext uri="{EFAFB233-063F-42B5-8137-9DF3F51BA10A}">
+      <p15:sldGuideLst xmlns:p15="http://schemas.microsoft.com/office/powerpoint/2012/main"/>
+    </p:ext>
+  </p:extLst>
 </p:presentation>
 </file>
 
@@ -6388,6 +6395,127 @@
 </p:sld>
 </file>
 
+<file path=ppt/slides/slide10.xml><?xml version="1.0" encoding="utf-8"?>
+<p:sld xmlns:a="http://schemas.openxmlformats.org/drawingml/2006/main" xmlns:r="http://schemas.openxmlformats.org/officeDocument/2006/relationships" xmlns:p="http://schemas.openxmlformats.org/presentationml/2006/main">
+  <p:cSld>
+    <p:spTree>
+      <p:nvGrpSpPr>
+        <p:cNvPr id="1" name=""/>
+        <p:cNvGrpSpPr/>
+        <p:nvPr/>
+      </p:nvGrpSpPr>
+      <p:grpSpPr>
+        <a:xfrm>
+          <a:off x="0" y="0"/>
+          <a:ext cx="0" cy="0"/>
+          <a:chOff x="0" y="0"/>
+          <a:chExt cx="0" cy="0"/>
+        </a:xfrm>
+      </p:grpSpPr>
+      <p:sp>
+        <p:nvSpPr>
+          <p:cNvPr id="2" name="Date Placeholder 1">
+            <a:extLst>
+              <a:ext uri="{FF2B5EF4-FFF2-40B4-BE49-F238E27FC236}">
+                <a16:creationId xmlns:a16="http://schemas.microsoft.com/office/drawing/2014/main" id="{068E4303-A1FA-43DB-8052-A2086F51B0FA}"/>
+              </a:ext>
+            </a:extLst>
+          </p:cNvPr>
+          <p:cNvSpPr>
+            <a:spLocks noGrp="1"/>
+          </p:cNvSpPr>
+          <p:nvPr>
+            <p:ph type="dt" sz="half" idx="10"/>
+          </p:nvPr>
+        </p:nvSpPr>
+        <p:spPr/>
+        <p:txBody>
+          <a:bodyPr/>
+          <a:lstStyle/>
+          <a:p>
+            <a:r>
+              <a:rPr lang="en-US"/>
+              <a:t>12/4/2020</a:t>
+            </a:r>
+          </a:p>
+        </p:txBody>
+      </p:sp>
+      <p:sp>
+        <p:nvSpPr>
+          <p:cNvPr id="3" name="Footer Placeholder 2">
+            <a:extLst>
+              <a:ext uri="{FF2B5EF4-FFF2-40B4-BE49-F238E27FC236}">
+                <a16:creationId xmlns:a16="http://schemas.microsoft.com/office/drawing/2014/main" id="{A0EF675E-3F8A-4115-A2CD-18F5D2937DE1}"/>
+              </a:ext>
+            </a:extLst>
+          </p:cNvPr>
+          <p:cNvSpPr>
+            <a:spLocks noGrp="1"/>
+          </p:cNvSpPr>
+          <p:nvPr>
+            <p:ph type="ftr" sz="quarter" idx="11"/>
+          </p:nvPr>
+        </p:nvSpPr>
+        <p:spPr/>
+        <p:txBody>
+          <a:bodyPr/>
+          <a:lstStyle/>
+          <a:p>
+            <a:r>
+              <a:rPr lang="en-US"/>
+              <a:t>Diane Cambrillat INEW 2434</a:t>
+            </a:r>
+          </a:p>
+        </p:txBody>
+      </p:sp>
+      <p:sp>
+        <p:nvSpPr>
+          <p:cNvPr id="4" name="TextBox 3">
+            <a:extLst>
+              <a:ext uri="{FF2B5EF4-FFF2-40B4-BE49-F238E27FC236}">
+                <a16:creationId xmlns:a16="http://schemas.microsoft.com/office/drawing/2014/main" id="{37123BB1-5EEA-4AF1-A611-2F4A310B3096}"/>
+              </a:ext>
+            </a:extLst>
+          </p:cNvPr>
+          <p:cNvSpPr txBox="1"/>
+          <p:nvPr/>
+        </p:nvSpPr>
+        <p:spPr>
+          <a:xfrm>
+            <a:off x="3096610" y="2940269"/>
+            <a:ext cx="5998779" cy="707886"/>
+          </a:xfrm>
+          <a:prstGeom prst="rect">
+            <a:avLst/>
+          </a:prstGeom>
+          <a:noFill/>
+        </p:spPr>
+        <p:txBody>
+          <a:bodyPr wrap="square" rtlCol="0">
+            <a:spAutoFit/>
+          </a:bodyPr>
+          <a:lstStyle/>
+          <a:p>
+            <a:r>
+              <a:rPr lang="en-US" sz="4000" dirty="0"/>
+              <a:t>Thank you!</a:t>
+            </a:r>
+          </a:p>
+        </p:txBody>
+      </p:sp>
+    </p:spTree>
+    <p:extLst>
+      <p:ext uri="{BB962C8B-B14F-4D97-AF65-F5344CB8AC3E}">
+        <p14:creationId xmlns:p14="http://schemas.microsoft.com/office/powerpoint/2010/main" val="421089674"/>
+      </p:ext>
+    </p:extLst>
+  </p:cSld>
+  <p:clrMapOvr>
+    <a:masterClrMapping/>
+  </p:clrMapOvr>
+</p:sld>
+</file>
+
 <file path=ppt/slides/slide2.xml><?xml version="1.0" encoding="utf-8"?>
 <p:sld xmlns:a="http://schemas.openxmlformats.org/drawingml/2006/main" xmlns:r="http://schemas.openxmlformats.org/officeDocument/2006/relationships" xmlns:p="http://schemas.openxmlformats.org/presentationml/2006/main">
   <p:cSld>
@@ -6793,7 +6921,7 @@
           <p:cNvPr id="2" name="Title 1">
             <a:extLst>
               <a:ext uri="{FF2B5EF4-FFF2-40B4-BE49-F238E27FC236}">
-                <a16:creationId xmlns:a16="http://schemas.microsoft.com/office/drawing/2014/main" id="{37858D01-14E1-47EE-A308-390C7C7D313B}"/>
+                <a16:creationId xmlns:a16="http://schemas.microsoft.com/office/drawing/2014/main" id="{D83D9198-BD44-475B-B991-D2ACE1FA53B1}"/>
               </a:ext>
             </a:extLst>
           </p:cNvPr>
@@ -6811,7 +6939,7 @@
           <a:p>
             <a:r>
               <a:rPr lang="en-US" dirty="0"/>
-              <a:t>Mouth travelers</a:t>
+              <a:t>Functionalities</a:t>
             </a:r>
           </a:p>
         </p:txBody>
@@ -6821,7 +6949,7 @@
           <p:cNvPr id="3" name="Date Placeholder 2">
             <a:extLst>
               <a:ext uri="{FF2B5EF4-FFF2-40B4-BE49-F238E27FC236}">
-                <a16:creationId xmlns:a16="http://schemas.microsoft.com/office/drawing/2014/main" id="{58B0232B-44D7-4F27-B6ED-7109B1AD77F7}"/>
+                <a16:creationId xmlns:a16="http://schemas.microsoft.com/office/drawing/2014/main" id="{67321181-04D3-4531-868D-F21C5D65DDB9}"/>
               </a:ext>
             </a:extLst>
           </p:cNvPr>
@@ -6849,7 +6977,7 @@
           <p:cNvPr id="4" name="Footer Placeholder 3">
             <a:extLst>
               <a:ext uri="{FF2B5EF4-FFF2-40B4-BE49-F238E27FC236}">
-                <a16:creationId xmlns:a16="http://schemas.microsoft.com/office/drawing/2014/main" id="{AC38E9B2-4417-4234-B457-C46FA3F6EC17}"/>
+                <a16:creationId xmlns:a16="http://schemas.microsoft.com/office/drawing/2014/main" id="{E992F18B-6C65-4DC9-9F82-ABEF90883018}"/>
               </a:ext>
             </a:extLst>
           </p:cNvPr>
@@ -6872,46 +7000,45 @@
           </a:p>
         </p:txBody>
       </p:sp>
-      <p:sp>
-        <p:nvSpPr>
-          <p:cNvPr id="5" name="TextBox 4">
+      <p:pic>
+        <p:nvPicPr>
+          <p:cNvPr id="5" name="Picture 4">
             <a:extLst>
               <a:ext uri="{FF2B5EF4-FFF2-40B4-BE49-F238E27FC236}">
-                <a16:creationId xmlns:a16="http://schemas.microsoft.com/office/drawing/2014/main" id="{C03B445D-1F70-415D-B584-6060AE9CC766}"/>
+                <a16:creationId xmlns:a16="http://schemas.microsoft.com/office/drawing/2014/main" id="{2A066322-6CF3-4E1E-98BB-07D3EB4A3F41}"/>
               </a:ext>
             </a:extLst>
           </p:cNvPr>
-          <p:cNvSpPr txBox="1"/>
+          <p:cNvPicPr/>
           <p:nvPr/>
-        </p:nvSpPr>
-        <p:spPr>
+        </p:nvPicPr>
+        <p:blipFill rotWithShape="1">
+          <a:blip r:embed="rId2"/>
+          <a:srcRect t="12711" b="4718"/>
+          <a:stretch/>
+        </p:blipFill>
+        <p:spPr bwMode="auto">
           <a:xfrm>
-            <a:off x="2617076" y="2822028"/>
-            <a:ext cx="6952593" cy="646331"/>
+            <a:off x="3124835" y="2573452"/>
+            <a:ext cx="5942330" cy="3270885"/>
           </a:xfrm>
           <a:prstGeom prst="rect">
             <a:avLst/>
           </a:prstGeom>
-          <a:noFill/>
+          <a:ln>
+            <a:noFill/>
+          </a:ln>
+          <a:extLst>
+            <a:ext uri="{53640926-AAD7-44D8-BBD7-CCE9431645EC}">
+              <a14:shadowObscured xmlns:a14="http://schemas.microsoft.com/office/drawing/2010/main"/>
+            </a:ext>
+          </a:extLst>
         </p:spPr>
-        <p:txBody>
-          <a:bodyPr wrap="square" rtlCol="0">
-            <a:spAutoFit/>
-          </a:bodyPr>
-          <a:lstStyle/>
-          <a:p>
-            <a:pPr algn="ctr"/>
-            <a:r>
-              <a:rPr lang="en-US" sz="3600" b="1" dirty="0"/>
-              <a:t>Let’s see the dynamic website </a:t>
-            </a:r>
-          </a:p>
-        </p:txBody>
-      </p:sp>
+      </p:pic>
     </p:spTree>
     <p:extLst>
       <p:ext uri="{BB962C8B-B14F-4D97-AF65-F5344CB8AC3E}">
-        <p14:creationId xmlns:p14="http://schemas.microsoft.com/office/powerpoint/2010/main" val="3625918402"/>
+        <p14:creationId xmlns:p14="http://schemas.microsoft.com/office/powerpoint/2010/main" val="88589050"/>
       </p:ext>
     </p:extLst>
   </p:cSld>
@@ -6943,7 +7070,7 @@
           <p:cNvPr id="2" name="Title 1">
             <a:extLst>
               <a:ext uri="{FF2B5EF4-FFF2-40B4-BE49-F238E27FC236}">
-                <a16:creationId xmlns:a16="http://schemas.microsoft.com/office/drawing/2014/main" id="{6FDF54EC-F65B-4E78-B4B8-0FBD4035A404}"/>
+                <a16:creationId xmlns:a16="http://schemas.microsoft.com/office/drawing/2014/main" id="{D83D9198-BD44-475B-B991-D2ACE1FA53B1}"/>
               </a:ext>
             </a:extLst>
           </p:cNvPr>
@@ -6961,7 +7088,7 @@
           <a:p>
             <a:r>
               <a:rPr lang="en-US" dirty="0"/>
-              <a:t>Current technical issues</a:t>
+              <a:t>Functionalities</a:t>
             </a:r>
           </a:p>
         </p:txBody>
@@ -6971,7 +7098,7 @@
           <p:cNvPr id="3" name="Date Placeholder 2">
             <a:extLst>
               <a:ext uri="{FF2B5EF4-FFF2-40B4-BE49-F238E27FC236}">
-                <a16:creationId xmlns:a16="http://schemas.microsoft.com/office/drawing/2014/main" id="{BED55196-358A-4777-A433-42089E2BA33F}"/>
+                <a16:creationId xmlns:a16="http://schemas.microsoft.com/office/drawing/2014/main" id="{67321181-04D3-4531-868D-F21C5D65DDB9}"/>
               </a:ext>
             </a:extLst>
           </p:cNvPr>
@@ -6999,7 +7126,7 @@
           <p:cNvPr id="4" name="Footer Placeholder 3">
             <a:extLst>
               <a:ext uri="{FF2B5EF4-FFF2-40B4-BE49-F238E27FC236}">
-                <a16:creationId xmlns:a16="http://schemas.microsoft.com/office/drawing/2014/main" id="{3709852B-6FFF-438B-A651-BD16D3FD5DE6}"/>
+                <a16:creationId xmlns:a16="http://schemas.microsoft.com/office/drawing/2014/main" id="{E992F18B-6C65-4DC9-9F82-ABEF90883018}"/>
               </a:ext>
             </a:extLst>
           </p:cNvPr>
@@ -7022,74 +7149,115 @@
           </a:p>
         </p:txBody>
       </p:sp>
-      <p:sp>
-        <p:nvSpPr>
-          <p:cNvPr id="5" name="TextBox 4">
+      <p:pic>
+        <p:nvPicPr>
+          <p:cNvPr id="6" name="Picture 5">
             <a:extLst>
               <a:ext uri="{FF2B5EF4-FFF2-40B4-BE49-F238E27FC236}">
-                <a16:creationId xmlns:a16="http://schemas.microsoft.com/office/drawing/2014/main" id="{BFB7AA53-45FD-42B3-9E06-960D1CD0EEDF}"/>
+                <a16:creationId xmlns:a16="http://schemas.microsoft.com/office/drawing/2014/main" id="{999380E2-0DED-4360-8EA7-725CC4D70AE4}"/>
               </a:ext>
             </a:extLst>
           </p:cNvPr>
-          <p:cNvSpPr txBox="1"/>
+          <p:cNvPicPr/>
           <p:nvPr/>
-        </p:nvSpPr>
-        <p:spPr>
+        </p:nvPicPr>
+        <p:blipFill rotWithShape="1">
+          <a:blip r:embed="rId2"/>
+          <a:srcRect t="11971" b="4606"/>
+          <a:stretch/>
+        </p:blipFill>
+        <p:spPr bwMode="auto">
           <a:xfrm>
-            <a:off x="2538248" y="3105807"/>
-            <a:ext cx="7305900" cy="1200329"/>
+            <a:off x="935579" y="1910772"/>
+            <a:ext cx="4330104" cy="2661230"/>
           </a:xfrm>
           <a:prstGeom prst="rect">
             <a:avLst/>
           </a:prstGeom>
-          <a:noFill/>
+          <a:ln>
+            <a:noFill/>
+          </a:ln>
+          <a:extLst>
+            <a:ext uri="{53640926-AAD7-44D8-BBD7-CCE9431645EC}">
+              <a14:shadowObscured xmlns:a14="http://schemas.microsoft.com/office/drawing/2010/main"/>
+            </a:ext>
+          </a:extLst>
         </p:spPr>
-        <p:txBody>
-          <a:bodyPr wrap="square" rtlCol="0">
-            <a:spAutoFit/>
-          </a:bodyPr>
-          <a:lstStyle/>
-          <a:p>
-            <a:pPr marL="285750" indent="-285750">
-              <a:buFont typeface="Arial" panose="020B0604020202020204" pitchFamily="34" charset="0"/>
-              <a:buChar char="•"/>
-            </a:pPr>
-            <a:r>
-              <a:rPr lang="en-US" sz="2400" dirty="0"/>
-              <a:t>Hibernate </a:t>
-            </a:r>
-          </a:p>
-          <a:p>
-            <a:pPr marL="285750" indent="-285750">
-              <a:buFont typeface="Arial" panose="020B0604020202020204" pitchFamily="34" charset="0"/>
-              <a:buChar char="•"/>
-            </a:pPr>
-            <a:r>
-              <a:rPr lang="en-US" sz="2400" dirty="0"/>
-              <a:t>Opening </a:t>
-            </a:r>
-            <a:r>
-              <a:rPr lang="en-US" sz="2400" dirty="0" err="1"/>
-              <a:t>Youtube</a:t>
-            </a:r>
-            <a:endParaRPr lang="en-US" sz="2400" dirty="0"/>
-          </a:p>
-          <a:p>
-            <a:pPr marL="285750" indent="-285750">
-              <a:buFont typeface="Arial" panose="020B0604020202020204" pitchFamily="34" charset="0"/>
-              <a:buChar char="•"/>
-            </a:pPr>
-            <a:r>
-              <a:rPr lang="en-US" sz="2400" dirty="0"/>
-              <a:t>Day countdown in banner </a:t>
-            </a:r>
-          </a:p>
-        </p:txBody>
-      </p:sp>
+      </p:pic>
+      <p:pic>
+        <p:nvPicPr>
+          <p:cNvPr id="7" name="Picture 6">
+            <a:extLst>
+              <a:ext uri="{FF2B5EF4-FFF2-40B4-BE49-F238E27FC236}">
+                <a16:creationId xmlns:a16="http://schemas.microsoft.com/office/drawing/2014/main" id="{1FB983C1-5CAE-41DC-8E11-51ECF1A97536}"/>
+              </a:ext>
+            </a:extLst>
+          </p:cNvPr>
+          <p:cNvPicPr/>
+          <p:nvPr/>
+        </p:nvPicPr>
+        <p:blipFill rotWithShape="1">
+          <a:blip r:embed="rId3"/>
+          <a:srcRect t="12834" b="8678"/>
+          <a:stretch/>
+        </p:blipFill>
+        <p:spPr bwMode="auto">
+          <a:xfrm>
+            <a:off x="6637283" y="1945720"/>
+            <a:ext cx="4482662" cy="2859037"/>
+          </a:xfrm>
+          <a:prstGeom prst="rect">
+            <a:avLst/>
+          </a:prstGeom>
+          <a:ln>
+            <a:noFill/>
+          </a:ln>
+          <a:extLst>
+            <a:ext uri="{53640926-AAD7-44D8-BBD7-CCE9431645EC}">
+              <a14:shadowObscured xmlns:a14="http://schemas.microsoft.com/office/drawing/2010/main"/>
+            </a:ext>
+          </a:extLst>
+        </p:spPr>
+      </p:pic>
+      <p:pic>
+        <p:nvPicPr>
+          <p:cNvPr id="9" name="Picture 8">
+            <a:extLst>
+              <a:ext uri="{FF2B5EF4-FFF2-40B4-BE49-F238E27FC236}">
+                <a16:creationId xmlns:a16="http://schemas.microsoft.com/office/drawing/2014/main" id="{426125F1-6B17-4832-B05C-BAF778CCB225}"/>
+              </a:ext>
+            </a:extLst>
+          </p:cNvPr>
+          <p:cNvPicPr/>
+          <p:nvPr/>
+        </p:nvPicPr>
+        <p:blipFill rotWithShape="1">
+          <a:blip r:embed="rId4"/>
+          <a:srcRect b="11765"/>
+          <a:stretch/>
+        </p:blipFill>
+        <p:spPr bwMode="auto">
+          <a:xfrm>
+            <a:off x="2703786" y="3016830"/>
+            <a:ext cx="4130565" cy="2859038"/>
+          </a:xfrm>
+          <a:prstGeom prst="rect">
+            <a:avLst/>
+          </a:prstGeom>
+          <a:ln>
+            <a:noFill/>
+          </a:ln>
+          <a:extLst>
+            <a:ext uri="{53640926-AAD7-44D8-BBD7-CCE9431645EC}">
+              <a14:shadowObscured xmlns:a14="http://schemas.microsoft.com/office/drawing/2010/main"/>
+            </a:ext>
+          </a:extLst>
+        </p:spPr>
+      </p:pic>
     </p:spTree>
     <p:extLst>
       <p:ext uri="{BB962C8B-B14F-4D97-AF65-F5344CB8AC3E}">
-        <p14:creationId xmlns:p14="http://schemas.microsoft.com/office/powerpoint/2010/main" val="1127830662"/>
+        <p14:creationId xmlns:p14="http://schemas.microsoft.com/office/powerpoint/2010/main" val="3625078169"/>
       </p:ext>
     </p:extLst>
   </p:cSld>
@@ -7121,7 +7289,7 @@
           <p:cNvPr id="2" name="Title 1">
             <a:extLst>
               <a:ext uri="{FF2B5EF4-FFF2-40B4-BE49-F238E27FC236}">
-                <a16:creationId xmlns:a16="http://schemas.microsoft.com/office/drawing/2014/main" id="{58DE706C-AF7E-48DB-A84B-C0DB26E3DD93}"/>
+                <a16:creationId xmlns:a16="http://schemas.microsoft.com/office/drawing/2014/main" id="{6FDF54EC-F65B-4E78-B4B8-0FBD4035A404}"/>
               </a:ext>
             </a:extLst>
           </p:cNvPr>
@@ -7139,7 +7307,7 @@
           <a:p>
             <a:r>
               <a:rPr lang="en-US" dirty="0"/>
-              <a:t>Content development</a:t>
+              <a:t>Current technical Challenges</a:t>
             </a:r>
           </a:p>
         </p:txBody>
@@ -7149,7 +7317,7 @@
           <p:cNvPr id="3" name="Date Placeholder 2">
             <a:extLst>
               <a:ext uri="{FF2B5EF4-FFF2-40B4-BE49-F238E27FC236}">
-                <a16:creationId xmlns:a16="http://schemas.microsoft.com/office/drawing/2014/main" id="{3BCC185E-2E33-4D86-919C-247C19811B2D}"/>
+                <a16:creationId xmlns:a16="http://schemas.microsoft.com/office/drawing/2014/main" id="{BED55196-358A-4777-A433-42089E2BA33F}"/>
               </a:ext>
             </a:extLst>
           </p:cNvPr>
@@ -7177,7 +7345,7 @@
           <p:cNvPr id="4" name="Footer Placeholder 3">
             <a:extLst>
               <a:ext uri="{FF2B5EF4-FFF2-40B4-BE49-F238E27FC236}">
-                <a16:creationId xmlns:a16="http://schemas.microsoft.com/office/drawing/2014/main" id="{C9EA6B4E-7AA0-458D-B514-7D5FD8976798}"/>
+                <a16:creationId xmlns:a16="http://schemas.microsoft.com/office/drawing/2014/main" id="{3709852B-6FFF-438B-A651-BD16D3FD5DE6}"/>
               </a:ext>
             </a:extLst>
           </p:cNvPr>
@@ -7205,7 +7373,7 @@
           <p:cNvPr id="5" name="TextBox 4">
             <a:extLst>
               <a:ext uri="{FF2B5EF4-FFF2-40B4-BE49-F238E27FC236}">
-                <a16:creationId xmlns:a16="http://schemas.microsoft.com/office/drawing/2014/main" id="{900FEE28-FD5F-476E-A821-583AD94A9E5B}"/>
+                <a16:creationId xmlns:a16="http://schemas.microsoft.com/office/drawing/2014/main" id="{BFB7AA53-45FD-42B3-9E06-960D1CD0EEDF}"/>
               </a:ext>
             </a:extLst>
           </p:cNvPr>
@@ -7214,8 +7382,8 @@
         </p:nvSpPr>
         <p:spPr>
           <a:xfrm>
-            <a:off x="2010103" y="2869324"/>
-            <a:ext cx="8631621" cy="2308324"/>
+            <a:off x="2538248" y="3105807"/>
+            <a:ext cx="7305900" cy="1200329"/>
           </a:xfrm>
           <a:prstGeom prst="rect">
             <a:avLst/>
@@ -7234,7 +7402,7 @@
             </a:pPr>
             <a:r>
               <a:rPr lang="en-US" sz="2400" dirty="0"/>
-              <a:t>Need to work on the recipe information=&gt; I must confirm with grandma for the French recipes</a:t>
+              <a:t>Hibernate </a:t>
             </a:r>
           </a:p>
           <a:p>
@@ -7244,8 +7412,13 @@
             </a:pPr>
             <a:r>
               <a:rPr lang="en-US" sz="2400" dirty="0"/>
-              <a:t>Review database information=&gt; general information in text and ingredients as database</a:t>
-            </a:r>
+              <a:t>Opening </a:t>
+            </a:r>
+            <a:r>
+              <a:rPr lang="en-US" sz="2400" dirty="0" err="1"/>
+              <a:t>Youtube</a:t>
+            </a:r>
+            <a:endParaRPr lang="en-US" sz="2400" dirty="0"/>
           </a:p>
           <a:p>
             <a:pPr marL="285750" indent="-285750">
@@ -7254,17 +7427,7 @@
             </a:pPr>
             <a:r>
               <a:rPr lang="en-US" sz="2400" dirty="0"/>
-              <a:t>I should make my own cooking videos</a:t>
-            </a:r>
-          </a:p>
-          <a:p>
-            <a:pPr marL="285750" indent="-285750">
-              <a:buFont typeface="Arial" panose="020B0604020202020204" pitchFamily="34" charset="0"/>
-              <a:buChar char="•"/>
-            </a:pPr>
-            <a:r>
-              <a:rPr lang="en-US" sz="2400" dirty="0"/>
-              <a:t>Do I need a sign in application? </a:t>
+              <a:t>Day countdown in banner </a:t>
             </a:r>
           </a:p>
         </p:txBody>
@@ -7272,7 +7435,7 @@
     </p:spTree>
     <p:extLst>
       <p:ext uri="{BB962C8B-B14F-4D97-AF65-F5344CB8AC3E}">
-        <p14:creationId xmlns:p14="http://schemas.microsoft.com/office/powerpoint/2010/main" val="1067602354"/>
+        <p14:creationId xmlns:p14="http://schemas.microsoft.com/office/powerpoint/2010/main" val="1127830662"/>
       </p:ext>
     </p:extLst>
   </p:cSld>
@@ -7304,7 +7467,7 @@
           <p:cNvPr id="2" name="Title 1">
             <a:extLst>
               <a:ext uri="{FF2B5EF4-FFF2-40B4-BE49-F238E27FC236}">
-                <a16:creationId xmlns:a16="http://schemas.microsoft.com/office/drawing/2014/main" id="{7B7872E0-9217-429E-8E4D-51BD036126A0}"/>
+                <a16:creationId xmlns:a16="http://schemas.microsoft.com/office/drawing/2014/main" id="{58DE706C-AF7E-48DB-A84B-C0DB26E3DD93}"/>
               </a:ext>
             </a:extLst>
           </p:cNvPr>
@@ -7322,7 +7485,7 @@
           <a:p>
             <a:r>
               <a:rPr lang="en-US" dirty="0"/>
-              <a:t>Applications to develop</a:t>
+              <a:t>Content development</a:t>
             </a:r>
           </a:p>
         </p:txBody>
@@ -7332,7 +7495,7 @@
           <p:cNvPr id="3" name="Date Placeholder 2">
             <a:extLst>
               <a:ext uri="{FF2B5EF4-FFF2-40B4-BE49-F238E27FC236}">
-                <a16:creationId xmlns:a16="http://schemas.microsoft.com/office/drawing/2014/main" id="{3E6C543C-1828-452C-AEE6-1B0CCA25421A}"/>
+                <a16:creationId xmlns:a16="http://schemas.microsoft.com/office/drawing/2014/main" id="{3BCC185E-2E33-4D86-919C-247C19811B2D}"/>
               </a:ext>
             </a:extLst>
           </p:cNvPr>
@@ -7360,7 +7523,7 @@
           <p:cNvPr id="4" name="Footer Placeholder 3">
             <a:extLst>
               <a:ext uri="{FF2B5EF4-FFF2-40B4-BE49-F238E27FC236}">
-                <a16:creationId xmlns:a16="http://schemas.microsoft.com/office/drawing/2014/main" id="{FB3F641F-98F5-4736-B43E-01D052B6F481}"/>
+                <a16:creationId xmlns:a16="http://schemas.microsoft.com/office/drawing/2014/main" id="{C9EA6B4E-7AA0-458D-B514-7D5FD8976798}"/>
               </a:ext>
             </a:extLst>
           </p:cNvPr>
@@ -7388,7 +7551,7 @@
           <p:cNvPr id="5" name="TextBox 4">
             <a:extLst>
               <a:ext uri="{FF2B5EF4-FFF2-40B4-BE49-F238E27FC236}">
-                <a16:creationId xmlns:a16="http://schemas.microsoft.com/office/drawing/2014/main" id="{D10839D9-86B8-4406-88EA-647F8AA01145}"/>
+                <a16:creationId xmlns:a16="http://schemas.microsoft.com/office/drawing/2014/main" id="{900FEE28-FD5F-476E-A821-583AD94A9E5B}"/>
               </a:ext>
             </a:extLst>
           </p:cNvPr>
@@ -7397,8 +7560,8 @@
         </p:nvSpPr>
         <p:spPr>
           <a:xfrm>
-            <a:off x="1749973" y="2837793"/>
-            <a:ext cx="8781394" cy="1846659"/>
+            <a:off x="2010103" y="2869324"/>
+            <a:ext cx="8631621" cy="2308324"/>
           </a:xfrm>
           <a:prstGeom prst="rect">
             <a:avLst/>
@@ -7417,7 +7580,7 @@
             </a:pPr>
             <a:r>
               <a:rPr lang="en-US" sz="2400" dirty="0"/>
-              <a:t>User can adjust ingredient quantity with the number of servings</a:t>
+              <a:t>Need to work on the recipe information=&gt; I must confirm with grandma for the French recipes</a:t>
             </a:r>
           </a:p>
           <a:p>
@@ -7427,7 +7590,7 @@
             </a:pPr>
             <a:r>
               <a:rPr lang="en-US" sz="2400" dirty="0"/>
-              <a:t>Button to print the recipe in a printer friendly way</a:t>
+              <a:t>Review database information=&gt; general information in text and ingredients as database</a:t>
             </a:r>
           </a:p>
           <a:p>
@@ -7437,18 +7600,25 @@
             </a:pPr>
             <a:r>
               <a:rPr lang="en-US" sz="2400" dirty="0"/>
-              <a:t>Interactive map where the user clicks to see where the recipes are from =&gt; any idea of the best way to do that? </a:t>
-            </a:r>
-          </a:p>
-          <a:p>
-            <a:endParaRPr lang="en-US" dirty="0"/>
+              <a:t>I should make my own cooking videos</a:t>
+            </a:r>
+          </a:p>
+          <a:p>
+            <a:pPr marL="285750" indent="-285750">
+              <a:buFont typeface="Arial" panose="020B0604020202020204" pitchFamily="34" charset="0"/>
+              <a:buChar char="•"/>
+            </a:pPr>
+            <a:r>
+              <a:rPr lang="en-US" sz="2400" dirty="0"/>
+              <a:t>Do I need a sign in functionality? </a:t>
+            </a:r>
           </a:p>
         </p:txBody>
       </p:sp>
     </p:spTree>
     <p:extLst>
       <p:ext uri="{BB962C8B-B14F-4D97-AF65-F5344CB8AC3E}">
-        <p14:creationId xmlns:p14="http://schemas.microsoft.com/office/powerpoint/2010/main" val="2341338234"/>
+        <p14:creationId xmlns:p14="http://schemas.microsoft.com/office/powerpoint/2010/main" val="1067602354"/>
       </p:ext>
     </p:extLst>
   </p:cSld>
@@ -7477,10 +7647,10 @@
       </p:grpSpPr>
       <p:sp>
         <p:nvSpPr>
-          <p:cNvPr id="2" name="Date Placeholder 1">
+          <p:cNvPr id="2" name="Title 1">
             <a:extLst>
               <a:ext uri="{FF2B5EF4-FFF2-40B4-BE49-F238E27FC236}">
-                <a16:creationId xmlns:a16="http://schemas.microsoft.com/office/drawing/2014/main" id="{068E4303-A1FA-43DB-8052-A2086F51B0FA}"/>
+                <a16:creationId xmlns:a16="http://schemas.microsoft.com/office/drawing/2014/main" id="{7B7872E0-9217-429E-8E4D-51BD036126A0}"/>
               </a:ext>
             </a:extLst>
           </p:cNvPr>
@@ -7488,7 +7658,7 @@
             <a:spLocks noGrp="1"/>
           </p:cNvSpPr>
           <p:nvPr>
-            <p:ph type="dt" sz="half" idx="10"/>
+            <p:ph type="title"/>
           </p:nvPr>
         </p:nvSpPr>
         <p:spPr/>
@@ -7497,18 +7667,18 @@
           <a:lstStyle/>
           <a:p>
             <a:r>
-              <a:rPr lang="en-US"/>
-              <a:t>12/4/2020</a:t>
-            </a:r>
-          </a:p>
-        </p:txBody>
-      </p:sp>
-      <p:sp>
-        <p:nvSpPr>
-          <p:cNvPr id="3" name="Footer Placeholder 2">
+              <a:rPr lang="en-US" dirty="0"/>
+              <a:t>Applications to develop</a:t>
+            </a:r>
+          </a:p>
+        </p:txBody>
+      </p:sp>
+      <p:sp>
+        <p:nvSpPr>
+          <p:cNvPr id="3" name="Date Placeholder 2">
             <a:extLst>
               <a:ext uri="{FF2B5EF4-FFF2-40B4-BE49-F238E27FC236}">
-                <a16:creationId xmlns:a16="http://schemas.microsoft.com/office/drawing/2014/main" id="{A0EF675E-3F8A-4115-A2CD-18F5D2937DE1}"/>
+                <a16:creationId xmlns:a16="http://schemas.microsoft.com/office/drawing/2014/main" id="{3E6C543C-1828-452C-AEE6-1B0CCA25421A}"/>
               </a:ext>
             </a:extLst>
           </p:cNvPr>
@@ -7516,7 +7686,7 @@
             <a:spLocks noGrp="1"/>
           </p:cNvSpPr>
           <p:nvPr>
-            <p:ph type="ftr" sz="quarter" idx="11"/>
+            <p:ph type="dt" sz="half" idx="10"/>
           </p:nvPr>
         </p:nvSpPr>
         <p:spPr/>
@@ -7526,17 +7696,45 @@
           <a:p>
             <a:r>
               <a:rPr lang="en-US"/>
-              <a:t>Diane Cambrillat INEW 2434</a:t>
-            </a:r>
-          </a:p>
-        </p:txBody>
-      </p:sp>
-      <p:sp>
-        <p:nvSpPr>
-          <p:cNvPr id="4" name="TextBox 3">
+              <a:t>12/4/2020</a:t>
+            </a:r>
+          </a:p>
+        </p:txBody>
+      </p:sp>
+      <p:sp>
+        <p:nvSpPr>
+          <p:cNvPr id="4" name="Footer Placeholder 3">
             <a:extLst>
               <a:ext uri="{FF2B5EF4-FFF2-40B4-BE49-F238E27FC236}">
-                <a16:creationId xmlns:a16="http://schemas.microsoft.com/office/drawing/2014/main" id="{37123BB1-5EEA-4AF1-A611-2F4A310B3096}"/>
+                <a16:creationId xmlns:a16="http://schemas.microsoft.com/office/drawing/2014/main" id="{FB3F641F-98F5-4736-B43E-01D052B6F481}"/>
+              </a:ext>
+            </a:extLst>
+          </p:cNvPr>
+          <p:cNvSpPr>
+            <a:spLocks noGrp="1"/>
+          </p:cNvSpPr>
+          <p:nvPr>
+            <p:ph type="ftr" sz="quarter" idx="11"/>
+          </p:nvPr>
+        </p:nvSpPr>
+        <p:spPr/>
+        <p:txBody>
+          <a:bodyPr/>
+          <a:lstStyle/>
+          <a:p>
+            <a:r>
+              <a:rPr lang="en-US"/>
+              <a:t>Diane Cambrillat INEW 2434</a:t>
+            </a:r>
+          </a:p>
+        </p:txBody>
+      </p:sp>
+      <p:sp>
+        <p:nvSpPr>
+          <p:cNvPr id="5" name="TextBox 4">
+            <a:extLst>
+              <a:ext uri="{FF2B5EF4-FFF2-40B4-BE49-F238E27FC236}">
+                <a16:creationId xmlns:a16="http://schemas.microsoft.com/office/drawing/2014/main" id="{D10839D9-86B8-4406-88EA-647F8AA01145}"/>
               </a:ext>
             </a:extLst>
           </p:cNvPr>
@@ -7545,8 +7743,8 @@
         </p:nvSpPr>
         <p:spPr>
           <a:xfrm>
-            <a:off x="3096610" y="2940269"/>
-            <a:ext cx="5998779" cy="707886"/>
+            <a:off x="1749973" y="2837793"/>
+            <a:ext cx="8781394" cy="1846659"/>
           </a:xfrm>
           <a:prstGeom prst="rect">
             <a:avLst/>
@@ -7559,17 +7757,194 @@
           </a:bodyPr>
           <a:lstStyle/>
           <a:p>
-            <a:r>
-              <a:rPr lang="en-US" sz="4000" dirty="0"/>
-              <a:t>Thank you!</a:t>
-            </a:r>
+            <a:pPr marL="285750" indent="-285750">
+              <a:buFont typeface="Arial" panose="020B0604020202020204" pitchFamily="34" charset="0"/>
+              <a:buChar char="•"/>
+            </a:pPr>
+            <a:r>
+              <a:rPr lang="en-US" sz="2400" dirty="0"/>
+              <a:t>User can adjust ingredient quantity with the number of servings</a:t>
+            </a:r>
+          </a:p>
+          <a:p>
+            <a:pPr marL="285750" indent="-285750">
+              <a:buFont typeface="Arial" panose="020B0604020202020204" pitchFamily="34" charset="0"/>
+              <a:buChar char="•"/>
+            </a:pPr>
+            <a:r>
+              <a:rPr lang="en-US" sz="2400" dirty="0"/>
+              <a:t>Button to print the recipe in a printer friendly way</a:t>
+            </a:r>
+          </a:p>
+          <a:p>
+            <a:pPr marL="285750" indent="-285750">
+              <a:buFont typeface="Arial" panose="020B0604020202020204" pitchFamily="34" charset="0"/>
+              <a:buChar char="•"/>
+            </a:pPr>
+            <a:r>
+              <a:rPr lang="en-US" sz="2400" dirty="0"/>
+              <a:t>Interactive map where the user clicks to see where the recipes are from =&gt; any idea of the best way to do that? </a:t>
+            </a:r>
+          </a:p>
+          <a:p>
+            <a:endParaRPr lang="en-US" dirty="0"/>
           </a:p>
         </p:txBody>
       </p:sp>
     </p:spTree>
     <p:extLst>
       <p:ext uri="{BB962C8B-B14F-4D97-AF65-F5344CB8AC3E}">
-        <p14:creationId xmlns:p14="http://schemas.microsoft.com/office/powerpoint/2010/main" val="421089674"/>
+        <p14:creationId xmlns:p14="http://schemas.microsoft.com/office/powerpoint/2010/main" val="2341338234"/>
+      </p:ext>
+    </p:extLst>
+  </p:cSld>
+  <p:clrMapOvr>
+    <a:masterClrMapping/>
+  </p:clrMapOvr>
+</p:sld>
+</file>
+
+<file path=ppt/slides/slide9.xml><?xml version="1.0" encoding="utf-8"?>
+<p:sld xmlns:a="http://schemas.openxmlformats.org/drawingml/2006/main" xmlns:r="http://schemas.openxmlformats.org/officeDocument/2006/relationships" xmlns:p="http://schemas.openxmlformats.org/presentationml/2006/main">
+  <p:cSld>
+    <p:spTree>
+      <p:nvGrpSpPr>
+        <p:cNvPr id="1" name=""/>
+        <p:cNvGrpSpPr/>
+        <p:nvPr/>
+      </p:nvGrpSpPr>
+      <p:grpSpPr>
+        <a:xfrm>
+          <a:off x="0" y="0"/>
+          <a:ext cx="0" cy="0"/>
+          <a:chOff x="0" y="0"/>
+          <a:chExt cx="0" cy="0"/>
+        </a:xfrm>
+      </p:grpSpPr>
+      <p:sp>
+        <p:nvSpPr>
+          <p:cNvPr id="2" name="Title 1">
+            <a:extLst>
+              <a:ext uri="{FF2B5EF4-FFF2-40B4-BE49-F238E27FC236}">
+                <a16:creationId xmlns:a16="http://schemas.microsoft.com/office/drawing/2014/main" id="{37858D01-14E1-47EE-A308-390C7C7D313B}"/>
+              </a:ext>
+            </a:extLst>
+          </p:cNvPr>
+          <p:cNvSpPr>
+            <a:spLocks noGrp="1"/>
+          </p:cNvSpPr>
+          <p:nvPr>
+            <p:ph type="title"/>
+          </p:nvPr>
+        </p:nvSpPr>
+        <p:spPr/>
+        <p:txBody>
+          <a:bodyPr/>
+          <a:lstStyle/>
+          <a:p>
+            <a:r>
+              <a:rPr lang="en-US" dirty="0"/>
+              <a:t>Mouth travelers</a:t>
+            </a:r>
+          </a:p>
+        </p:txBody>
+      </p:sp>
+      <p:sp>
+        <p:nvSpPr>
+          <p:cNvPr id="3" name="Date Placeholder 2">
+            <a:extLst>
+              <a:ext uri="{FF2B5EF4-FFF2-40B4-BE49-F238E27FC236}">
+                <a16:creationId xmlns:a16="http://schemas.microsoft.com/office/drawing/2014/main" id="{58B0232B-44D7-4F27-B6ED-7109B1AD77F7}"/>
+              </a:ext>
+            </a:extLst>
+          </p:cNvPr>
+          <p:cNvSpPr>
+            <a:spLocks noGrp="1"/>
+          </p:cNvSpPr>
+          <p:nvPr>
+            <p:ph type="dt" sz="half" idx="10"/>
+          </p:nvPr>
+        </p:nvSpPr>
+        <p:spPr/>
+        <p:txBody>
+          <a:bodyPr/>
+          <a:lstStyle/>
+          <a:p>
+            <a:r>
+              <a:rPr lang="en-US"/>
+              <a:t>12/4/2020</a:t>
+            </a:r>
+          </a:p>
+        </p:txBody>
+      </p:sp>
+      <p:sp>
+        <p:nvSpPr>
+          <p:cNvPr id="4" name="Footer Placeholder 3">
+            <a:extLst>
+              <a:ext uri="{FF2B5EF4-FFF2-40B4-BE49-F238E27FC236}">
+                <a16:creationId xmlns:a16="http://schemas.microsoft.com/office/drawing/2014/main" id="{AC38E9B2-4417-4234-B457-C46FA3F6EC17}"/>
+              </a:ext>
+            </a:extLst>
+          </p:cNvPr>
+          <p:cNvSpPr>
+            <a:spLocks noGrp="1"/>
+          </p:cNvSpPr>
+          <p:nvPr>
+            <p:ph type="ftr" sz="quarter" idx="11"/>
+          </p:nvPr>
+        </p:nvSpPr>
+        <p:spPr/>
+        <p:txBody>
+          <a:bodyPr/>
+          <a:lstStyle/>
+          <a:p>
+            <a:r>
+              <a:rPr lang="en-US"/>
+              <a:t>Diane Cambrillat INEW 2434</a:t>
+            </a:r>
+          </a:p>
+        </p:txBody>
+      </p:sp>
+      <p:sp>
+        <p:nvSpPr>
+          <p:cNvPr id="5" name="TextBox 4">
+            <a:extLst>
+              <a:ext uri="{FF2B5EF4-FFF2-40B4-BE49-F238E27FC236}">
+                <a16:creationId xmlns:a16="http://schemas.microsoft.com/office/drawing/2014/main" id="{C03B445D-1F70-415D-B584-6060AE9CC766}"/>
+              </a:ext>
+            </a:extLst>
+          </p:cNvPr>
+          <p:cNvSpPr txBox="1"/>
+          <p:nvPr/>
+        </p:nvSpPr>
+        <p:spPr>
+          <a:xfrm>
+            <a:off x="2617076" y="2822028"/>
+            <a:ext cx="6952593" cy="646331"/>
+          </a:xfrm>
+          <a:prstGeom prst="rect">
+            <a:avLst/>
+          </a:prstGeom>
+          <a:noFill/>
+        </p:spPr>
+        <p:txBody>
+          <a:bodyPr wrap="square" rtlCol="0">
+            <a:spAutoFit/>
+          </a:bodyPr>
+          <a:lstStyle/>
+          <a:p>
+            <a:pPr algn="ctr"/>
+            <a:r>
+              <a:rPr lang="en-US" sz="3600" b="1" dirty="0"/>
+              <a:t>Let’s see the dynamic website </a:t>
+            </a:r>
+          </a:p>
+        </p:txBody>
+      </p:sp>
+    </p:spTree>
+    <p:extLst>
+      <p:ext uri="{BB962C8B-B14F-4D97-AF65-F5344CB8AC3E}">
+        <p14:creationId xmlns:p14="http://schemas.microsoft.com/office/powerpoint/2010/main" val="3625918402"/>
       </p:ext>
     </p:extLst>
   </p:cSld>
